--- a/algorithms.pptx
+++ b/algorithms.pptx
@@ -113,6 +113,11 @@
       </a:defRPr>
     </a:lvl9pPr>
   </p:defaultTextStyle>
+  <p:extLst>
+    <p:ext uri="{EFAFB233-063F-42B5-8137-9DF3F51BA10A}">
+      <p15:sldGuideLst xmlns:p15="http://schemas.microsoft.com/office/powerpoint/2012/main"/>
+    </p:ext>
+  </p:extLst>
 </p:presentation>
 </file>
 
@@ -198,7 +203,7 @@
           <a:p>
             <a:fld id="{1C9A775A-C7DF-479F-8BF1-F0E75CD17CFD}" type="datetimeFigureOut">
               <a:rPr lang="it-IT" smtClean="0"/>
-              <a:t>02/12/2025</a:t>
+              <a:t>09/12/2025</a:t>
             </a:fld>
             <a:endParaRPr lang="it-IT"/>
           </a:p>
@@ -696,7 +701,7 @@
           <a:p>
             <a:fld id="{1D042021-04B7-4816-AB41-C56A7E0D17F0}" type="datetimeFigureOut">
               <a:rPr lang="it-IT" smtClean="0"/>
-              <a:t>02/12/2025</a:t>
+              <a:t>09/12/2025</a:t>
             </a:fld>
             <a:endParaRPr lang="it-IT"/>
           </a:p>
@@ -894,7 +899,7 @@
           <a:p>
             <a:fld id="{1D042021-04B7-4816-AB41-C56A7E0D17F0}" type="datetimeFigureOut">
               <a:rPr lang="it-IT" smtClean="0"/>
-              <a:t>02/12/2025</a:t>
+              <a:t>09/12/2025</a:t>
             </a:fld>
             <a:endParaRPr lang="it-IT"/>
           </a:p>
@@ -1102,7 +1107,7 @@
           <a:p>
             <a:fld id="{1D042021-04B7-4816-AB41-C56A7E0D17F0}" type="datetimeFigureOut">
               <a:rPr lang="it-IT" smtClean="0"/>
-              <a:t>02/12/2025</a:t>
+              <a:t>09/12/2025</a:t>
             </a:fld>
             <a:endParaRPr lang="it-IT"/>
           </a:p>
@@ -1300,7 +1305,7 @@
           <a:p>
             <a:fld id="{1D042021-04B7-4816-AB41-C56A7E0D17F0}" type="datetimeFigureOut">
               <a:rPr lang="it-IT" smtClean="0"/>
-              <a:t>02/12/2025</a:t>
+              <a:t>09/12/2025</a:t>
             </a:fld>
             <a:endParaRPr lang="it-IT"/>
           </a:p>
@@ -1575,7 +1580,7 @@
           <a:p>
             <a:fld id="{1D042021-04B7-4816-AB41-C56A7E0D17F0}" type="datetimeFigureOut">
               <a:rPr lang="it-IT" smtClean="0"/>
-              <a:t>02/12/2025</a:t>
+              <a:t>09/12/2025</a:t>
             </a:fld>
             <a:endParaRPr lang="it-IT"/>
           </a:p>
@@ -1840,7 +1845,7 @@
           <a:p>
             <a:fld id="{1D042021-04B7-4816-AB41-C56A7E0D17F0}" type="datetimeFigureOut">
               <a:rPr lang="it-IT" smtClean="0"/>
-              <a:t>02/12/2025</a:t>
+              <a:t>09/12/2025</a:t>
             </a:fld>
             <a:endParaRPr lang="it-IT"/>
           </a:p>
@@ -2252,7 +2257,7 @@
           <a:p>
             <a:fld id="{1D042021-04B7-4816-AB41-C56A7E0D17F0}" type="datetimeFigureOut">
               <a:rPr lang="it-IT" smtClean="0"/>
-              <a:t>02/12/2025</a:t>
+              <a:t>09/12/2025</a:t>
             </a:fld>
             <a:endParaRPr lang="it-IT"/>
           </a:p>
@@ -2393,7 +2398,7 @@
           <a:p>
             <a:fld id="{1D042021-04B7-4816-AB41-C56A7E0D17F0}" type="datetimeFigureOut">
               <a:rPr lang="it-IT" smtClean="0"/>
-              <a:t>02/12/2025</a:t>
+              <a:t>09/12/2025</a:t>
             </a:fld>
             <a:endParaRPr lang="it-IT"/>
           </a:p>
@@ -2506,7 +2511,7 @@
           <a:p>
             <a:fld id="{1D042021-04B7-4816-AB41-C56A7E0D17F0}" type="datetimeFigureOut">
               <a:rPr lang="it-IT" smtClean="0"/>
-              <a:t>02/12/2025</a:t>
+              <a:t>09/12/2025</a:t>
             </a:fld>
             <a:endParaRPr lang="it-IT"/>
           </a:p>
@@ -2817,7 +2822,7 @@
           <a:p>
             <a:fld id="{1D042021-04B7-4816-AB41-C56A7E0D17F0}" type="datetimeFigureOut">
               <a:rPr lang="it-IT" smtClean="0"/>
-              <a:t>02/12/2025</a:t>
+              <a:t>09/12/2025</a:t>
             </a:fld>
             <a:endParaRPr lang="it-IT"/>
           </a:p>
@@ -3105,7 +3110,7 @@
           <a:p>
             <a:fld id="{1D042021-04B7-4816-AB41-C56A7E0D17F0}" type="datetimeFigureOut">
               <a:rPr lang="it-IT" smtClean="0"/>
-              <a:t>02/12/2025</a:t>
+              <a:t>09/12/2025</a:t>
             </a:fld>
             <a:endParaRPr lang="it-IT"/>
           </a:p>
@@ -3346,7 +3351,7 @@
           <a:p>
             <a:fld id="{1D042021-04B7-4816-AB41-C56A7E0D17F0}" type="datetimeFigureOut">
               <a:rPr lang="it-IT" smtClean="0"/>
-              <a:t>02/12/2025</a:t>
+              <a:t>09/12/2025</a:t>
             </a:fld>
             <a:endParaRPr lang="it-IT"/>
           </a:p>
@@ -3897,53 +3902,6 @@
           </a:xfrm>
         </p:spPr>
       </p:pic>
-      <p:sp>
-        <p:nvSpPr>
-          <p:cNvPr id="6" name="CasellaDiTesto 5">
-            <a:extLst>
-              <a:ext uri="{FF2B5EF4-FFF2-40B4-BE49-F238E27FC236}">
-                <a16:creationId xmlns:a16="http://schemas.microsoft.com/office/drawing/2014/main" id="{5A74C0B0-651E-F2BE-A486-31D15E383A85}"/>
-              </a:ext>
-            </a:extLst>
-          </p:cNvPr>
-          <p:cNvSpPr txBox="1"/>
-          <p:nvPr/>
-        </p:nvSpPr>
-        <p:spPr>
-          <a:xfrm>
-            <a:off x="544279" y="2487168"/>
-            <a:ext cx="1488741" cy="369332"/>
-          </a:xfrm>
-          <a:prstGeom prst="rect">
-            <a:avLst/>
-          </a:prstGeom>
-          <a:noFill/>
-        </p:spPr>
-        <p:txBody>
-          <a:bodyPr wrap="none" rtlCol="0">
-            <a:spAutoFit/>
-          </a:bodyPr>
-          <a:lstStyle/>
-          <a:p>
-            <a:r>
-              <a:rPr lang="it-IT" dirty="0" err="1">
-                <a:solidFill>
-                  <a:srgbClr val="FF0000"/>
-                </a:solidFill>
-              </a:rPr>
-              <a:t>Doesn’t</a:t>
-            </a:r>
-            <a:r>
-              <a:rPr lang="it-IT" dirty="0">
-                <a:solidFill>
-                  <a:srgbClr val="FF0000"/>
-                </a:solidFill>
-              </a:rPr>
-              <a:t> work</a:t>
-            </a:r>
-          </a:p>
-        </p:txBody>
-      </p:sp>
     </p:spTree>
     <p:extLst>
       <p:ext uri="{BB962C8B-B14F-4D97-AF65-F5344CB8AC3E}">

--- a/algorithms.pptx
+++ b/algorithms.pptx
@@ -203,7 +203,7 @@
           <a:p>
             <a:fld id="{1C9A775A-C7DF-479F-8BF1-F0E75CD17CFD}" type="datetimeFigureOut">
               <a:rPr lang="it-IT" smtClean="0"/>
-              <a:t>09/12/2025</a:t>
+              <a:t>15/12/2025</a:t>
             </a:fld>
             <a:endParaRPr lang="it-IT"/>
           </a:p>
@@ -701,7 +701,7 @@
           <a:p>
             <a:fld id="{1D042021-04B7-4816-AB41-C56A7E0D17F0}" type="datetimeFigureOut">
               <a:rPr lang="it-IT" smtClean="0"/>
-              <a:t>09/12/2025</a:t>
+              <a:t>15/12/2025</a:t>
             </a:fld>
             <a:endParaRPr lang="it-IT"/>
           </a:p>
@@ -899,7 +899,7 @@
           <a:p>
             <a:fld id="{1D042021-04B7-4816-AB41-C56A7E0D17F0}" type="datetimeFigureOut">
               <a:rPr lang="it-IT" smtClean="0"/>
-              <a:t>09/12/2025</a:t>
+              <a:t>15/12/2025</a:t>
             </a:fld>
             <a:endParaRPr lang="it-IT"/>
           </a:p>
@@ -1107,7 +1107,7 @@
           <a:p>
             <a:fld id="{1D042021-04B7-4816-AB41-C56A7E0D17F0}" type="datetimeFigureOut">
               <a:rPr lang="it-IT" smtClean="0"/>
-              <a:t>09/12/2025</a:t>
+              <a:t>15/12/2025</a:t>
             </a:fld>
             <a:endParaRPr lang="it-IT"/>
           </a:p>
@@ -1305,7 +1305,7 @@
           <a:p>
             <a:fld id="{1D042021-04B7-4816-AB41-C56A7E0D17F0}" type="datetimeFigureOut">
               <a:rPr lang="it-IT" smtClean="0"/>
-              <a:t>09/12/2025</a:t>
+              <a:t>15/12/2025</a:t>
             </a:fld>
             <a:endParaRPr lang="it-IT"/>
           </a:p>
@@ -1580,7 +1580,7 @@
           <a:p>
             <a:fld id="{1D042021-04B7-4816-AB41-C56A7E0D17F0}" type="datetimeFigureOut">
               <a:rPr lang="it-IT" smtClean="0"/>
-              <a:t>09/12/2025</a:t>
+              <a:t>15/12/2025</a:t>
             </a:fld>
             <a:endParaRPr lang="it-IT"/>
           </a:p>
@@ -1845,7 +1845,7 @@
           <a:p>
             <a:fld id="{1D042021-04B7-4816-AB41-C56A7E0D17F0}" type="datetimeFigureOut">
               <a:rPr lang="it-IT" smtClean="0"/>
-              <a:t>09/12/2025</a:t>
+              <a:t>15/12/2025</a:t>
             </a:fld>
             <a:endParaRPr lang="it-IT"/>
           </a:p>
@@ -2257,7 +2257,7 @@
           <a:p>
             <a:fld id="{1D042021-04B7-4816-AB41-C56A7E0D17F0}" type="datetimeFigureOut">
               <a:rPr lang="it-IT" smtClean="0"/>
-              <a:t>09/12/2025</a:t>
+              <a:t>15/12/2025</a:t>
             </a:fld>
             <a:endParaRPr lang="it-IT"/>
           </a:p>
@@ -2398,7 +2398,7 @@
           <a:p>
             <a:fld id="{1D042021-04B7-4816-AB41-C56A7E0D17F0}" type="datetimeFigureOut">
               <a:rPr lang="it-IT" smtClean="0"/>
-              <a:t>09/12/2025</a:t>
+              <a:t>15/12/2025</a:t>
             </a:fld>
             <a:endParaRPr lang="it-IT"/>
           </a:p>
@@ -2511,7 +2511,7 @@
           <a:p>
             <a:fld id="{1D042021-04B7-4816-AB41-C56A7E0D17F0}" type="datetimeFigureOut">
               <a:rPr lang="it-IT" smtClean="0"/>
-              <a:t>09/12/2025</a:t>
+              <a:t>15/12/2025</a:t>
             </a:fld>
             <a:endParaRPr lang="it-IT"/>
           </a:p>
@@ -2822,7 +2822,7 @@
           <a:p>
             <a:fld id="{1D042021-04B7-4816-AB41-C56A7E0D17F0}" type="datetimeFigureOut">
               <a:rPr lang="it-IT" smtClean="0"/>
-              <a:t>09/12/2025</a:t>
+              <a:t>15/12/2025</a:t>
             </a:fld>
             <a:endParaRPr lang="it-IT"/>
           </a:p>
@@ -3110,7 +3110,7 @@
           <a:p>
             <a:fld id="{1D042021-04B7-4816-AB41-C56A7E0D17F0}" type="datetimeFigureOut">
               <a:rPr lang="it-IT" smtClean="0"/>
-              <a:t>09/12/2025</a:t>
+              <a:t>15/12/2025</a:t>
             </a:fld>
             <a:endParaRPr lang="it-IT"/>
           </a:p>
@@ -3351,7 +3351,7 @@
           <a:p>
             <a:fld id="{1D042021-04B7-4816-AB41-C56A7E0D17F0}" type="datetimeFigureOut">
               <a:rPr lang="it-IT" smtClean="0"/>
-              <a:t>09/12/2025</a:t>
+              <a:t>15/12/2025</a:t>
             </a:fld>
             <a:endParaRPr lang="it-IT"/>
           </a:p>
@@ -5819,6 +5819,42 @@
           </a:p>
         </p:txBody>
       </p:sp>
+      <p:pic>
+        <p:nvPicPr>
+          <p:cNvPr id="4" name="Immagine 3" descr="Immagine che contiene testo, schermata, Carattere, numero&#10;&#10;Il contenuto generato dall'IA potrebbe non essere corretto.">
+            <a:extLst>
+              <a:ext uri="{FF2B5EF4-FFF2-40B4-BE49-F238E27FC236}">
+                <a16:creationId xmlns:a16="http://schemas.microsoft.com/office/drawing/2014/main" id="{4D15BBEE-4A20-ACE0-CE28-8E543A33C5C3}"/>
+              </a:ext>
+            </a:extLst>
+          </p:cNvPr>
+          <p:cNvPicPr>
+            <a:picLocks noChangeAspect="1"/>
+          </p:cNvPicPr>
+          <p:nvPr/>
+        </p:nvPicPr>
+        <p:blipFill>
+          <a:blip r:embed="rId2">
+            <a:extLst>
+              <a:ext uri="{28A0092B-C50C-407E-A947-70E740481C1C}">
+                <a14:useLocalDpi xmlns:a14="http://schemas.microsoft.com/office/drawing/2010/main" val="0"/>
+              </a:ext>
+            </a:extLst>
+          </a:blip>
+          <a:stretch>
+            <a:fillRect/>
+          </a:stretch>
+        </p:blipFill>
+        <p:spPr>
+          <a:xfrm>
+            <a:off x="2632336" y="1852595"/>
+            <a:ext cx="6927327" cy="4640280"/>
+          </a:xfrm>
+          <a:prstGeom prst="rect">
+            <a:avLst/>
+          </a:prstGeom>
+        </p:spPr>
+      </p:pic>
     </p:spTree>
     <p:extLst>
       <p:ext uri="{BB962C8B-B14F-4D97-AF65-F5344CB8AC3E}">

--- a/algorithms.pptx
+++ b/algorithms.pptx
@@ -9,9 +9,9 @@
   </p:notesMasterIdLst>
   <p:sldIdLst>
     <p:sldId id="256" r:id="rId2"/>
-    <p:sldId id="257" r:id="rId3"/>
-    <p:sldId id="258" r:id="rId4"/>
-    <p:sldId id="259" r:id="rId5"/>
+    <p:sldId id="259" r:id="rId3"/>
+    <p:sldId id="257" r:id="rId4"/>
+    <p:sldId id="258" r:id="rId5"/>
     <p:sldId id="260" r:id="rId6"/>
     <p:sldId id="262" r:id="rId7"/>
     <p:sldId id="261" r:id="rId8"/>
@@ -203,7 +203,7 @@
           <a:p>
             <a:fld id="{1C9A775A-C7DF-479F-8BF1-F0E75CD17CFD}" type="datetimeFigureOut">
               <a:rPr lang="it-IT" smtClean="0"/>
-              <a:t>15/12/2025</a:t>
+              <a:t>30/12/2025</a:t>
             </a:fld>
             <a:endParaRPr lang="it-IT"/>
           </a:p>
@@ -701,7 +701,7 @@
           <a:p>
             <a:fld id="{1D042021-04B7-4816-AB41-C56A7E0D17F0}" type="datetimeFigureOut">
               <a:rPr lang="it-IT" smtClean="0"/>
-              <a:t>15/12/2025</a:t>
+              <a:t>30/12/2025</a:t>
             </a:fld>
             <a:endParaRPr lang="it-IT"/>
           </a:p>
@@ -899,7 +899,7 @@
           <a:p>
             <a:fld id="{1D042021-04B7-4816-AB41-C56A7E0D17F0}" type="datetimeFigureOut">
               <a:rPr lang="it-IT" smtClean="0"/>
-              <a:t>15/12/2025</a:t>
+              <a:t>30/12/2025</a:t>
             </a:fld>
             <a:endParaRPr lang="it-IT"/>
           </a:p>
@@ -1107,7 +1107,7 @@
           <a:p>
             <a:fld id="{1D042021-04B7-4816-AB41-C56A7E0D17F0}" type="datetimeFigureOut">
               <a:rPr lang="it-IT" smtClean="0"/>
-              <a:t>15/12/2025</a:t>
+              <a:t>30/12/2025</a:t>
             </a:fld>
             <a:endParaRPr lang="it-IT"/>
           </a:p>
@@ -1305,7 +1305,7 @@
           <a:p>
             <a:fld id="{1D042021-04B7-4816-AB41-C56A7E0D17F0}" type="datetimeFigureOut">
               <a:rPr lang="it-IT" smtClean="0"/>
-              <a:t>15/12/2025</a:t>
+              <a:t>30/12/2025</a:t>
             </a:fld>
             <a:endParaRPr lang="it-IT"/>
           </a:p>
@@ -1580,7 +1580,7 @@
           <a:p>
             <a:fld id="{1D042021-04B7-4816-AB41-C56A7E0D17F0}" type="datetimeFigureOut">
               <a:rPr lang="it-IT" smtClean="0"/>
-              <a:t>15/12/2025</a:t>
+              <a:t>30/12/2025</a:t>
             </a:fld>
             <a:endParaRPr lang="it-IT"/>
           </a:p>
@@ -1845,7 +1845,7 @@
           <a:p>
             <a:fld id="{1D042021-04B7-4816-AB41-C56A7E0D17F0}" type="datetimeFigureOut">
               <a:rPr lang="it-IT" smtClean="0"/>
-              <a:t>15/12/2025</a:t>
+              <a:t>30/12/2025</a:t>
             </a:fld>
             <a:endParaRPr lang="it-IT"/>
           </a:p>
@@ -2257,7 +2257,7 @@
           <a:p>
             <a:fld id="{1D042021-04B7-4816-AB41-C56A7E0D17F0}" type="datetimeFigureOut">
               <a:rPr lang="it-IT" smtClean="0"/>
-              <a:t>15/12/2025</a:t>
+              <a:t>30/12/2025</a:t>
             </a:fld>
             <a:endParaRPr lang="it-IT"/>
           </a:p>
@@ -2398,7 +2398,7 @@
           <a:p>
             <a:fld id="{1D042021-04B7-4816-AB41-C56A7E0D17F0}" type="datetimeFigureOut">
               <a:rPr lang="it-IT" smtClean="0"/>
-              <a:t>15/12/2025</a:t>
+              <a:t>30/12/2025</a:t>
             </a:fld>
             <a:endParaRPr lang="it-IT"/>
           </a:p>
@@ -2511,7 +2511,7 @@
           <a:p>
             <a:fld id="{1D042021-04B7-4816-AB41-C56A7E0D17F0}" type="datetimeFigureOut">
               <a:rPr lang="it-IT" smtClean="0"/>
-              <a:t>15/12/2025</a:t>
+              <a:t>30/12/2025</a:t>
             </a:fld>
             <a:endParaRPr lang="it-IT"/>
           </a:p>
@@ -2822,7 +2822,7 @@
           <a:p>
             <a:fld id="{1D042021-04B7-4816-AB41-C56A7E0D17F0}" type="datetimeFigureOut">
               <a:rPr lang="it-IT" smtClean="0"/>
-              <a:t>15/12/2025</a:t>
+              <a:t>30/12/2025</a:t>
             </a:fld>
             <a:endParaRPr lang="it-IT"/>
           </a:p>
@@ -3110,7 +3110,7 @@
           <a:p>
             <a:fld id="{1D042021-04B7-4816-AB41-C56A7E0D17F0}" type="datetimeFigureOut">
               <a:rPr lang="it-IT" smtClean="0"/>
-              <a:t>15/12/2025</a:t>
+              <a:t>30/12/2025</a:t>
             </a:fld>
             <a:endParaRPr lang="it-IT"/>
           </a:p>
@@ -3351,7 +3351,7 @@
           <a:p>
             <a:fld id="{1D042021-04B7-4816-AB41-C56A7E0D17F0}" type="datetimeFigureOut">
               <a:rPr lang="it-IT" smtClean="0"/>
-              <a:t>15/12/2025</a:t>
+              <a:t>30/12/2025</a:t>
             </a:fld>
             <a:endParaRPr lang="it-IT"/>
           </a:p>
@@ -3835,7 +3835,7 @@
           <p:cNvPr id="2" name="Titolo 1">
             <a:extLst>
               <a:ext uri="{FF2B5EF4-FFF2-40B4-BE49-F238E27FC236}">
-                <a16:creationId xmlns:a16="http://schemas.microsoft.com/office/drawing/2014/main" id="{8CC6C070-9697-3055-D363-41C5409B3C5E}"/>
+                <a16:creationId xmlns:a16="http://schemas.microsoft.com/office/drawing/2014/main" id="{06AA98A4-5093-CDF4-BCB9-AE87FF5DBD2E}"/>
               </a:ext>
             </a:extLst>
           </p:cNvPr>
@@ -3849,30 +3849,24 @@
         <p:spPr/>
         <p:txBody>
           <a:bodyPr>
-            <a:normAutofit fontScale="90000"/>
+            <a:normAutofit/>
           </a:bodyPr>
           <a:lstStyle/>
           <a:p>
-            <a:br>
-              <a:rPr lang="it-IT" dirty="0"/>
-            </a:br>
             <a:r>
               <a:rPr lang="en-US" dirty="0"/>
-              <a:t>Detection of vital signs based on millimeter wave radar</a:t>
-            </a:r>
-            <a:br>
-              <a:rPr lang="it-IT" dirty="0"/>
-            </a:br>
+              <a:t>A high precision vital signs detection method based on millimeter wave radar</a:t>
+            </a:r>
             <a:endParaRPr lang="it-IT" dirty="0"/>
           </a:p>
         </p:txBody>
       </p:sp>
       <p:pic>
         <p:nvPicPr>
-          <p:cNvPr id="5" name="Segnaposto contenuto 4">
-            <a:extLst>
-              <a:ext uri="{FF2B5EF4-FFF2-40B4-BE49-F238E27FC236}">
-                <a16:creationId xmlns:a16="http://schemas.microsoft.com/office/drawing/2014/main" id="{841CCD8D-BCF0-A003-BA41-FD2F42EBE416}"/>
+          <p:cNvPr id="5" name="Segnaposto contenuto 4" descr="Immagine che contiene testo, schermata, diagramma, Carattere&#10;&#10;Il contenuto generato dall'IA potrebbe non essere corretto.">
+            <a:extLst>
+              <a:ext uri="{FF2B5EF4-FFF2-40B4-BE49-F238E27FC236}">
+                <a16:creationId xmlns:a16="http://schemas.microsoft.com/office/drawing/2014/main" id="{1C7DC838-4A49-49B8-553A-38BF43A52E25}"/>
               </a:ext>
             </a:extLst>
           </p:cNvPr>
@@ -3897,15 +3891,15 @@
         </p:blipFill>
         <p:spPr>
           <a:xfrm>
-            <a:off x="2033020" y="2143660"/>
-            <a:ext cx="8125959" cy="3715268"/>
+            <a:off x="3606266" y="1917065"/>
+            <a:ext cx="4979467" cy="4667250"/>
           </a:xfrm>
         </p:spPr>
       </p:pic>
     </p:spTree>
     <p:extLst>
       <p:ext uri="{BB962C8B-B14F-4D97-AF65-F5344CB8AC3E}">
-        <p14:creationId xmlns:p14="http://schemas.microsoft.com/office/powerpoint/2010/main" val="1174846034"/>
+        <p14:creationId xmlns:p14="http://schemas.microsoft.com/office/powerpoint/2010/main" val="2595348624"/>
       </p:ext>
     </p:extLst>
   </p:cSld>
@@ -3937,7 +3931,7 @@
           <p:cNvPr id="2" name="Titolo 1">
             <a:extLst>
               <a:ext uri="{FF2B5EF4-FFF2-40B4-BE49-F238E27FC236}">
-                <a16:creationId xmlns:a16="http://schemas.microsoft.com/office/drawing/2014/main" id="{61974523-C3FA-9778-22F8-B3D225F42051}"/>
+                <a16:creationId xmlns:a16="http://schemas.microsoft.com/office/drawing/2014/main" id="{8CC6C070-9697-3055-D363-41C5409B3C5E}"/>
               </a:ext>
             </a:extLst>
           </p:cNvPr>
@@ -3951,791 +3945,63 @@
         <p:spPr/>
         <p:txBody>
           <a:bodyPr>
-            <a:normAutofit/>
+            <a:normAutofit fontScale="90000"/>
           </a:bodyPr>
           <a:lstStyle/>
           <a:p>
+            <a:br>
+              <a:rPr lang="it-IT" dirty="0"/>
+            </a:br>
             <a:r>
               <a:rPr lang="en-US" dirty="0"/>
-              <a:t>FMCW Millimeter-Wave Radar-Based Remote Monitoring of Vital Signs in Multiple Subjects</a:t>
-            </a:r>
+              <a:t>Detection of vital signs based on millimeter wave radar</a:t>
+            </a:r>
+            <a:br>
+              <a:rPr lang="it-IT" dirty="0"/>
+            </a:br>
             <a:endParaRPr lang="it-IT" dirty="0"/>
           </a:p>
         </p:txBody>
       </p:sp>
-      <p:sp>
-        <p:nvSpPr>
-          <p:cNvPr id="4" name="CasellaDiTesto 3">
-            <a:extLst>
-              <a:ext uri="{FF2B5EF4-FFF2-40B4-BE49-F238E27FC236}">
-                <a16:creationId xmlns:a16="http://schemas.microsoft.com/office/drawing/2014/main" id="{FEB34942-1A4E-483A-3517-AA11225243BC}"/>
-              </a:ext>
-            </a:extLst>
-          </p:cNvPr>
-          <p:cNvSpPr txBox="1"/>
-          <p:nvPr/>
-        </p:nvSpPr>
-        <p:spPr>
-          <a:xfrm>
-            <a:off x="9219961" y="2808939"/>
-            <a:ext cx="2016252" cy="461665"/>
-          </a:xfrm>
-          <a:prstGeom prst="rect">
-            <a:avLst/>
-          </a:prstGeom>
-          <a:noFill/>
-        </p:spPr>
-        <p:txBody>
-          <a:bodyPr wrap="square" rtlCol="0">
-            <a:spAutoFit/>
-          </a:bodyPr>
-          <a:lstStyle/>
-          <a:p>
-            <a:r>
-              <a:rPr lang="it-IT" sz="2400" dirty="0"/>
-              <a:t>MUSIC for BR</a:t>
-            </a:r>
-          </a:p>
-        </p:txBody>
-      </p:sp>
-      <p:sp>
-        <p:nvSpPr>
-          <p:cNvPr id="5" name="CasellaDiTesto 4">
-            <a:extLst>
-              <a:ext uri="{FF2B5EF4-FFF2-40B4-BE49-F238E27FC236}">
-                <a16:creationId xmlns:a16="http://schemas.microsoft.com/office/drawing/2014/main" id="{07132303-69EC-C202-E0B1-987EDB26C843}"/>
-              </a:ext>
-            </a:extLst>
-          </p:cNvPr>
-          <p:cNvSpPr txBox="1"/>
-          <p:nvPr/>
-        </p:nvSpPr>
-        <p:spPr>
-          <a:xfrm>
-            <a:off x="7019306" y="2652045"/>
-            <a:ext cx="1714500" cy="830997"/>
-          </a:xfrm>
-          <a:prstGeom prst="rect">
-            <a:avLst/>
-          </a:prstGeom>
-          <a:noFill/>
-        </p:spPr>
-        <p:txBody>
-          <a:bodyPr wrap="square" rtlCol="0">
-            <a:spAutoFit/>
-          </a:bodyPr>
-          <a:lstStyle/>
-          <a:p>
-            <a:r>
-              <a:rPr lang="it-IT" sz="2400" dirty="0"/>
-              <a:t>IIR filter</a:t>
-            </a:r>
-          </a:p>
-          <a:p>
-            <a:r>
-              <a:rPr lang="it-IT" sz="2400" dirty="0"/>
-              <a:t>0.1-0.5 Hz</a:t>
-            </a:r>
-          </a:p>
-        </p:txBody>
-      </p:sp>
-      <p:sp>
-        <p:nvSpPr>
-          <p:cNvPr id="6" name="CasellaDiTesto 5">
-            <a:extLst>
-              <a:ext uri="{FF2B5EF4-FFF2-40B4-BE49-F238E27FC236}">
-                <a16:creationId xmlns:a16="http://schemas.microsoft.com/office/drawing/2014/main" id="{10DA578D-4A09-C029-6A97-352F16DD220F}"/>
-              </a:ext>
-            </a:extLst>
-          </p:cNvPr>
-          <p:cNvSpPr txBox="1"/>
-          <p:nvPr/>
-        </p:nvSpPr>
-        <p:spPr>
-          <a:xfrm>
-            <a:off x="9219961" y="3880510"/>
-            <a:ext cx="2016252" cy="738664"/>
-          </a:xfrm>
-          <a:prstGeom prst="rect">
-            <a:avLst/>
-          </a:prstGeom>
-          <a:noFill/>
-        </p:spPr>
-        <p:txBody>
-          <a:bodyPr wrap="square" rtlCol="0">
-            <a:spAutoFit/>
-          </a:bodyPr>
-          <a:lstStyle/>
-          <a:p>
-            <a:r>
-              <a:rPr lang="it-IT" sz="2400" dirty="0"/>
-              <a:t>2DFFT for HR</a:t>
-            </a:r>
-          </a:p>
-          <a:p>
-            <a:endParaRPr lang="it-IT" dirty="0"/>
-          </a:p>
-        </p:txBody>
-      </p:sp>
-      <p:sp>
-        <p:nvSpPr>
-          <p:cNvPr id="7" name="CasellaDiTesto 6">
-            <a:extLst>
-              <a:ext uri="{FF2B5EF4-FFF2-40B4-BE49-F238E27FC236}">
-                <a16:creationId xmlns:a16="http://schemas.microsoft.com/office/drawing/2014/main" id="{E9B10B7D-4008-DA64-D526-CFC19093CFEC}"/>
-              </a:ext>
-            </a:extLst>
-          </p:cNvPr>
-          <p:cNvSpPr txBox="1"/>
-          <p:nvPr/>
-        </p:nvSpPr>
-        <p:spPr>
-          <a:xfrm>
-            <a:off x="7019306" y="3690204"/>
-            <a:ext cx="1714500" cy="830997"/>
-          </a:xfrm>
-          <a:prstGeom prst="rect">
-            <a:avLst/>
-          </a:prstGeom>
-          <a:noFill/>
-        </p:spPr>
-        <p:txBody>
-          <a:bodyPr wrap="square" rtlCol="0">
-            <a:spAutoFit/>
-          </a:bodyPr>
-          <a:lstStyle/>
-          <a:p>
-            <a:r>
-              <a:rPr lang="it-IT" sz="2400" dirty="0"/>
-              <a:t>IIR filter</a:t>
-            </a:r>
-          </a:p>
-          <a:p>
-            <a:r>
-              <a:rPr lang="it-IT" sz="2400" dirty="0"/>
-              <a:t>0.8-2 Hz</a:t>
-            </a:r>
-          </a:p>
-        </p:txBody>
-      </p:sp>
-      <p:sp>
-        <p:nvSpPr>
-          <p:cNvPr id="10" name="CasellaDiTesto 9">
-            <a:extLst>
-              <a:ext uri="{FF2B5EF4-FFF2-40B4-BE49-F238E27FC236}">
-                <a16:creationId xmlns:a16="http://schemas.microsoft.com/office/drawing/2014/main" id="{FB50E624-3087-A4E6-349E-F1C22947000E}"/>
-              </a:ext>
-            </a:extLst>
-          </p:cNvPr>
-          <p:cNvSpPr txBox="1"/>
-          <p:nvPr/>
-        </p:nvSpPr>
-        <p:spPr>
-          <a:xfrm>
-            <a:off x="1630782" y="2167502"/>
-            <a:ext cx="1297471" cy="461665"/>
-          </a:xfrm>
-          <a:prstGeom prst="rect">
-            <a:avLst/>
-          </a:prstGeom>
-          <a:noFill/>
-        </p:spPr>
-        <p:txBody>
-          <a:bodyPr wrap="none" rtlCol="0">
-            <a:spAutoFit/>
-          </a:bodyPr>
-          <a:lstStyle/>
-          <a:p>
-            <a:r>
-              <a:rPr lang="it-IT" sz="2400" dirty="0"/>
-              <a:t>First FFT</a:t>
-            </a:r>
-          </a:p>
-        </p:txBody>
-      </p:sp>
-      <p:sp>
-        <p:nvSpPr>
-          <p:cNvPr id="11" name="CasellaDiTesto 10">
-            <a:extLst>
-              <a:ext uri="{FF2B5EF4-FFF2-40B4-BE49-F238E27FC236}">
-                <a16:creationId xmlns:a16="http://schemas.microsoft.com/office/drawing/2014/main" id="{21EBE8B0-D36C-0F84-6737-AE7099B83F97}"/>
-              </a:ext>
-            </a:extLst>
-          </p:cNvPr>
-          <p:cNvSpPr txBox="1"/>
-          <p:nvPr/>
-        </p:nvSpPr>
-        <p:spPr>
-          <a:xfrm>
-            <a:off x="810820" y="2972821"/>
-            <a:ext cx="3197157" cy="461665"/>
-          </a:xfrm>
-          <a:prstGeom prst="rect">
-            <a:avLst/>
-          </a:prstGeom>
-          <a:noFill/>
-        </p:spPr>
-        <p:txBody>
-          <a:bodyPr wrap="none" rtlCol="0">
-            <a:spAutoFit/>
-          </a:bodyPr>
-          <a:lstStyle/>
-          <a:p>
-            <a:r>
-              <a:rPr lang="it-IT" sz="2400" dirty="0" err="1"/>
-              <a:t>Identify</a:t>
-            </a:r>
-            <a:r>
-              <a:rPr lang="it-IT" sz="2400" dirty="0"/>
-              <a:t> </a:t>
-            </a:r>
-            <a:r>
-              <a:rPr lang="it-IT" sz="2400" dirty="0" err="1"/>
-              <a:t>peaks</a:t>
-            </a:r>
-            <a:r>
-              <a:rPr lang="it-IT" sz="2400" dirty="0"/>
-              <a:t> (people)</a:t>
-            </a:r>
-          </a:p>
-        </p:txBody>
-      </p:sp>
-      <p:sp>
-        <p:nvSpPr>
-          <p:cNvPr id="12" name="CasellaDiTesto 11">
-            <a:extLst>
-              <a:ext uri="{FF2B5EF4-FFF2-40B4-BE49-F238E27FC236}">
-                <a16:creationId xmlns:a16="http://schemas.microsoft.com/office/drawing/2014/main" id="{D18156B3-E941-E136-C450-A7653C4D2DA3}"/>
-              </a:ext>
-            </a:extLst>
-          </p:cNvPr>
-          <p:cNvSpPr txBox="1"/>
-          <p:nvPr/>
-        </p:nvSpPr>
-        <p:spPr>
-          <a:xfrm>
-            <a:off x="1284468" y="3929698"/>
-            <a:ext cx="1990097" cy="461665"/>
-          </a:xfrm>
-          <a:prstGeom prst="rect">
-            <a:avLst/>
-          </a:prstGeom>
-          <a:noFill/>
-        </p:spPr>
-        <p:txBody>
-          <a:bodyPr wrap="none" rtlCol="0">
-            <a:spAutoFit/>
-          </a:bodyPr>
-          <a:lstStyle/>
-          <a:p>
-            <a:r>
-              <a:rPr lang="it-IT" sz="2400" dirty="0" err="1"/>
-              <a:t>Extract</a:t>
-            </a:r>
-            <a:r>
-              <a:rPr lang="it-IT" sz="2400" dirty="0"/>
-              <a:t> </a:t>
-            </a:r>
-            <a:r>
-              <a:rPr lang="it-IT" sz="2400" dirty="0" err="1"/>
-              <a:t>phase</a:t>
-            </a:r>
-            <a:endParaRPr lang="it-IT" sz="2400" dirty="0"/>
-          </a:p>
-        </p:txBody>
-      </p:sp>
-      <p:sp>
-        <p:nvSpPr>
-          <p:cNvPr id="13" name="CasellaDiTesto 12">
-            <a:extLst>
-              <a:ext uri="{FF2B5EF4-FFF2-40B4-BE49-F238E27FC236}">
-                <a16:creationId xmlns:a16="http://schemas.microsoft.com/office/drawing/2014/main" id="{71AEBAD8-515E-305C-AD24-A754E9CDA88D}"/>
-              </a:ext>
-            </a:extLst>
-          </p:cNvPr>
-          <p:cNvSpPr txBox="1"/>
-          <p:nvPr/>
-        </p:nvSpPr>
-        <p:spPr>
-          <a:xfrm>
-            <a:off x="930307" y="5713376"/>
-            <a:ext cx="2919838" cy="461665"/>
-          </a:xfrm>
-          <a:prstGeom prst="rect">
-            <a:avLst/>
-          </a:prstGeom>
-          <a:noFill/>
-        </p:spPr>
-        <p:txBody>
-          <a:bodyPr wrap="none" rtlCol="0">
-            <a:spAutoFit/>
-          </a:bodyPr>
-          <a:lstStyle/>
-          <a:p>
-            <a:r>
-              <a:rPr lang="it-IT" sz="2400" dirty="0"/>
-              <a:t>Sliding </a:t>
-            </a:r>
-            <a:r>
-              <a:rPr lang="it-IT" sz="2400" dirty="0" err="1"/>
-              <a:t>Average</a:t>
-            </a:r>
-            <a:r>
-              <a:rPr lang="it-IT" sz="2400" dirty="0"/>
-              <a:t> Filter</a:t>
-            </a:r>
-          </a:p>
-        </p:txBody>
-      </p:sp>
-      <p:sp>
-        <p:nvSpPr>
-          <p:cNvPr id="14" name="CasellaDiTesto 13">
-            <a:extLst>
-              <a:ext uri="{FF2B5EF4-FFF2-40B4-BE49-F238E27FC236}">
-                <a16:creationId xmlns:a16="http://schemas.microsoft.com/office/drawing/2014/main" id="{96446B96-0F74-1515-7289-8293B131DA47}"/>
-              </a:ext>
-            </a:extLst>
-          </p:cNvPr>
-          <p:cNvSpPr txBox="1"/>
-          <p:nvPr/>
-        </p:nvSpPr>
-        <p:spPr>
-          <a:xfrm>
-            <a:off x="810820" y="4860778"/>
-            <a:ext cx="3158813" cy="461665"/>
-          </a:xfrm>
-          <a:prstGeom prst="rect">
-            <a:avLst/>
-          </a:prstGeom>
-          <a:noFill/>
-        </p:spPr>
-        <p:txBody>
-          <a:bodyPr wrap="square" rtlCol="0">
-            <a:spAutoFit/>
-          </a:bodyPr>
-          <a:lstStyle/>
-          <a:p>
-            <a:r>
-              <a:rPr lang="it-IT" sz="2400" dirty="0" err="1"/>
-              <a:t>Unwrap</a:t>
-            </a:r>
-            <a:r>
-              <a:rPr lang="it-IT" sz="2400" dirty="0"/>
-              <a:t> and </a:t>
-            </a:r>
-            <a:r>
-              <a:rPr lang="it-IT" sz="2400" dirty="0" err="1"/>
-              <a:t>phase</a:t>
-            </a:r>
-            <a:r>
-              <a:rPr lang="it-IT" sz="2400" dirty="0"/>
-              <a:t> diff</a:t>
-            </a:r>
-          </a:p>
-        </p:txBody>
-      </p:sp>
-      <p:cxnSp>
-        <p:nvCxnSpPr>
-          <p:cNvPr id="16" name="Connettore 2 15">
-            <a:extLst>
-              <a:ext uri="{FF2B5EF4-FFF2-40B4-BE49-F238E27FC236}">
-                <a16:creationId xmlns:a16="http://schemas.microsoft.com/office/drawing/2014/main" id="{B7FFE155-337C-5457-3E8A-D10AEAE88977}"/>
-              </a:ext>
-            </a:extLst>
-          </p:cNvPr>
-          <p:cNvCxnSpPr>
-            <a:cxnSpLocks/>
-          </p:cNvCxnSpPr>
-          <p:nvPr/>
-        </p:nvCxnSpPr>
-        <p:spPr>
-          <a:xfrm>
-            <a:off x="2279518" y="2589483"/>
-            <a:ext cx="0" cy="438912"/>
-          </a:xfrm>
-          <a:prstGeom prst="straightConnector1">
-            <a:avLst/>
-          </a:prstGeom>
-          <a:ln>
-            <a:tailEnd type="triangle"/>
-          </a:ln>
-        </p:spPr>
-        <p:style>
-          <a:lnRef idx="2">
-            <a:schemeClr val="accent1"/>
-          </a:lnRef>
-          <a:fillRef idx="0">
-            <a:schemeClr val="accent1"/>
-          </a:fillRef>
-          <a:effectRef idx="1">
-            <a:schemeClr val="accent1"/>
-          </a:effectRef>
-          <a:fontRef idx="minor">
-            <a:schemeClr val="tx1"/>
-          </a:fontRef>
-        </p:style>
-      </p:cxnSp>
-      <p:cxnSp>
-        <p:nvCxnSpPr>
-          <p:cNvPr id="19" name="Connettore 2 18">
-            <a:extLst>
-              <a:ext uri="{FF2B5EF4-FFF2-40B4-BE49-F238E27FC236}">
-                <a16:creationId xmlns:a16="http://schemas.microsoft.com/office/drawing/2014/main" id="{FE528C7B-4DC5-BA1A-F1A8-A56A3DAC1031}"/>
-              </a:ext>
-            </a:extLst>
-          </p:cNvPr>
-          <p:cNvCxnSpPr>
-            <a:cxnSpLocks/>
-          </p:cNvCxnSpPr>
-          <p:nvPr/>
-        </p:nvCxnSpPr>
-        <p:spPr>
-          <a:xfrm>
-            <a:off x="2279519" y="3513472"/>
-            <a:ext cx="0" cy="438912"/>
-          </a:xfrm>
-          <a:prstGeom prst="straightConnector1">
-            <a:avLst/>
-          </a:prstGeom>
-          <a:ln>
-            <a:tailEnd type="triangle"/>
-          </a:ln>
-        </p:spPr>
-        <p:style>
-          <a:lnRef idx="2">
-            <a:schemeClr val="accent1"/>
-          </a:lnRef>
-          <a:fillRef idx="0">
-            <a:schemeClr val="accent1"/>
-          </a:fillRef>
-          <a:effectRef idx="1">
-            <a:schemeClr val="accent1"/>
-          </a:effectRef>
-          <a:fontRef idx="minor">
-            <a:schemeClr val="tx1"/>
-          </a:fontRef>
-        </p:style>
-      </p:cxnSp>
-      <p:cxnSp>
-        <p:nvCxnSpPr>
-          <p:cNvPr id="20" name="Connettore 2 19">
-            <a:extLst>
-              <a:ext uri="{FF2B5EF4-FFF2-40B4-BE49-F238E27FC236}">
-                <a16:creationId xmlns:a16="http://schemas.microsoft.com/office/drawing/2014/main" id="{FF65509A-B6C4-FB03-1934-C24B1A548E97}"/>
-              </a:ext>
-            </a:extLst>
-          </p:cNvPr>
-          <p:cNvCxnSpPr>
-            <a:cxnSpLocks/>
-          </p:cNvCxnSpPr>
-          <p:nvPr/>
-        </p:nvCxnSpPr>
-        <p:spPr>
-          <a:xfrm>
-            <a:off x="2270375" y="4461550"/>
-            <a:ext cx="0" cy="438912"/>
-          </a:xfrm>
-          <a:prstGeom prst="straightConnector1">
-            <a:avLst/>
-          </a:prstGeom>
-          <a:ln>
-            <a:tailEnd type="triangle"/>
-          </a:ln>
-        </p:spPr>
-        <p:style>
-          <a:lnRef idx="2">
-            <a:schemeClr val="accent1"/>
-          </a:lnRef>
-          <a:fillRef idx="0">
-            <a:schemeClr val="accent1"/>
-          </a:fillRef>
-          <a:effectRef idx="1">
-            <a:schemeClr val="accent1"/>
-          </a:effectRef>
-          <a:fontRef idx="minor">
-            <a:schemeClr val="tx1"/>
-          </a:fontRef>
-        </p:style>
-      </p:cxnSp>
-      <p:cxnSp>
-        <p:nvCxnSpPr>
-          <p:cNvPr id="21" name="Connettore 2 20">
-            <a:extLst>
-              <a:ext uri="{FF2B5EF4-FFF2-40B4-BE49-F238E27FC236}">
-                <a16:creationId xmlns:a16="http://schemas.microsoft.com/office/drawing/2014/main" id="{5FEEBAFE-DA39-262E-B4D4-0D2F5CD834CF}"/>
-              </a:ext>
-            </a:extLst>
-          </p:cNvPr>
-          <p:cNvCxnSpPr>
-            <a:cxnSpLocks/>
-          </p:cNvCxnSpPr>
-          <p:nvPr/>
-        </p:nvCxnSpPr>
-        <p:spPr>
-          <a:xfrm>
-            <a:off x="2282129" y="5322443"/>
-            <a:ext cx="0" cy="438912"/>
-          </a:xfrm>
-          <a:prstGeom prst="straightConnector1">
-            <a:avLst/>
-          </a:prstGeom>
-          <a:ln>
-            <a:tailEnd type="triangle"/>
-          </a:ln>
-        </p:spPr>
-        <p:style>
-          <a:lnRef idx="2">
-            <a:schemeClr val="accent1"/>
-          </a:lnRef>
-          <a:fillRef idx="0">
-            <a:schemeClr val="accent1"/>
-          </a:fillRef>
-          <a:effectRef idx="1">
-            <a:schemeClr val="accent1"/>
-          </a:effectRef>
-          <a:fontRef idx="minor">
-            <a:schemeClr val="tx1"/>
-          </a:fontRef>
-        </p:style>
-      </p:cxnSp>
-      <p:cxnSp>
-        <p:nvCxnSpPr>
-          <p:cNvPr id="23" name="Connettore a gomito 22">
-            <a:extLst>
-              <a:ext uri="{FF2B5EF4-FFF2-40B4-BE49-F238E27FC236}">
-                <a16:creationId xmlns:a16="http://schemas.microsoft.com/office/drawing/2014/main" id="{E4DE570E-4FB4-A32E-F52D-A6084EB2AA14}"/>
-              </a:ext>
-            </a:extLst>
-          </p:cNvPr>
-          <p:cNvCxnSpPr>
-            <a:cxnSpLocks/>
-          </p:cNvCxnSpPr>
-          <p:nvPr/>
-        </p:nvCxnSpPr>
-        <p:spPr>
-          <a:xfrm flipV="1">
-            <a:off x="3949640" y="3586624"/>
-            <a:ext cx="2394591" cy="2393552"/>
-          </a:xfrm>
-          <a:prstGeom prst="bentConnector3">
-            <a:avLst>
-              <a:gd name="adj1" fmla="val 50000"/>
-            </a:avLst>
-          </a:prstGeom>
-        </p:spPr>
-        <p:style>
-          <a:lnRef idx="2">
-            <a:schemeClr val="accent1"/>
-          </a:lnRef>
-          <a:fillRef idx="0">
-            <a:schemeClr val="accent1"/>
-          </a:fillRef>
-          <a:effectRef idx="1">
-            <a:schemeClr val="accent1"/>
-          </a:effectRef>
-          <a:fontRef idx="minor">
-            <a:schemeClr val="tx1"/>
-          </a:fontRef>
-        </p:style>
-      </p:cxnSp>
-      <p:cxnSp>
-        <p:nvCxnSpPr>
-          <p:cNvPr id="32" name="Connettore diritto 31">
-            <a:extLst>
-              <a:ext uri="{FF2B5EF4-FFF2-40B4-BE49-F238E27FC236}">
-                <a16:creationId xmlns:a16="http://schemas.microsoft.com/office/drawing/2014/main" id="{A26D4B87-2F38-1ED7-1689-EB6143C58C34}"/>
-              </a:ext>
-            </a:extLst>
-          </p:cNvPr>
-          <p:cNvCxnSpPr>
-            <a:cxnSpLocks/>
-          </p:cNvCxnSpPr>
-          <p:nvPr/>
-        </p:nvCxnSpPr>
-        <p:spPr>
-          <a:xfrm flipV="1">
-            <a:off x="6342526" y="3067544"/>
-            <a:ext cx="0" cy="1038159"/>
-          </a:xfrm>
-          <a:prstGeom prst="line">
-            <a:avLst/>
-          </a:prstGeom>
-        </p:spPr>
-        <p:style>
-          <a:lnRef idx="2">
-            <a:schemeClr val="accent1"/>
-          </a:lnRef>
-          <a:fillRef idx="0">
-            <a:schemeClr val="accent1"/>
-          </a:fillRef>
-          <a:effectRef idx="1">
-            <a:schemeClr val="accent1"/>
-          </a:effectRef>
-          <a:fontRef idx="minor">
-            <a:schemeClr val="tx1"/>
-          </a:fontRef>
-        </p:style>
-      </p:cxnSp>
-      <p:cxnSp>
-        <p:nvCxnSpPr>
-          <p:cNvPr id="35" name="Connettore 2 34">
-            <a:extLst>
-              <a:ext uri="{FF2B5EF4-FFF2-40B4-BE49-F238E27FC236}">
-                <a16:creationId xmlns:a16="http://schemas.microsoft.com/office/drawing/2014/main" id="{38F1D879-7753-935F-46D8-DC3BF4B07DE5}"/>
-              </a:ext>
-            </a:extLst>
-          </p:cNvPr>
-          <p:cNvCxnSpPr/>
-          <p:nvPr/>
-        </p:nvCxnSpPr>
-        <p:spPr>
-          <a:xfrm>
-            <a:off x="6342526" y="3067544"/>
-            <a:ext cx="521208" cy="0"/>
-          </a:xfrm>
-          <a:prstGeom prst="straightConnector1">
-            <a:avLst/>
-          </a:prstGeom>
-          <a:ln>
-            <a:tailEnd type="triangle"/>
-          </a:ln>
-        </p:spPr>
-        <p:style>
-          <a:lnRef idx="2">
-            <a:schemeClr val="accent1"/>
-          </a:lnRef>
-          <a:fillRef idx="0">
-            <a:schemeClr val="accent1"/>
-          </a:fillRef>
-          <a:effectRef idx="1">
-            <a:schemeClr val="accent1"/>
-          </a:effectRef>
-          <a:fontRef idx="minor">
-            <a:schemeClr val="tx1"/>
-          </a:fontRef>
-        </p:style>
-      </p:cxnSp>
-      <p:cxnSp>
-        <p:nvCxnSpPr>
-          <p:cNvPr id="36" name="Connettore 2 35">
-            <a:extLst>
-              <a:ext uri="{FF2B5EF4-FFF2-40B4-BE49-F238E27FC236}">
-                <a16:creationId xmlns:a16="http://schemas.microsoft.com/office/drawing/2014/main" id="{41EBB2AA-B0FE-0411-8628-ED0526C07867}"/>
-              </a:ext>
-            </a:extLst>
-          </p:cNvPr>
-          <p:cNvCxnSpPr/>
-          <p:nvPr/>
-        </p:nvCxnSpPr>
-        <p:spPr>
-          <a:xfrm>
-            <a:off x="6342526" y="4105703"/>
-            <a:ext cx="521208" cy="0"/>
-          </a:xfrm>
-          <a:prstGeom prst="straightConnector1">
-            <a:avLst/>
-          </a:prstGeom>
-          <a:ln>
-            <a:tailEnd type="triangle"/>
-          </a:ln>
-        </p:spPr>
-        <p:style>
-          <a:lnRef idx="2">
-            <a:schemeClr val="accent1"/>
-          </a:lnRef>
-          <a:fillRef idx="0">
-            <a:schemeClr val="accent1"/>
-          </a:fillRef>
-          <a:effectRef idx="1">
-            <a:schemeClr val="accent1"/>
-          </a:effectRef>
-          <a:fontRef idx="minor">
-            <a:schemeClr val="tx1"/>
-          </a:fontRef>
-        </p:style>
-      </p:cxnSp>
-      <p:cxnSp>
-        <p:nvCxnSpPr>
-          <p:cNvPr id="37" name="Connettore 2 36">
-            <a:extLst>
-              <a:ext uri="{FF2B5EF4-FFF2-40B4-BE49-F238E27FC236}">
-                <a16:creationId xmlns:a16="http://schemas.microsoft.com/office/drawing/2014/main" id="{A7764BE7-BF69-C23C-39C3-8A4457AA4499}"/>
-              </a:ext>
-            </a:extLst>
-          </p:cNvPr>
-          <p:cNvCxnSpPr/>
-          <p:nvPr/>
-        </p:nvCxnSpPr>
-        <p:spPr>
-          <a:xfrm>
-            <a:off x="8625478" y="3067543"/>
-            <a:ext cx="521208" cy="0"/>
-          </a:xfrm>
-          <a:prstGeom prst="straightConnector1">
-            <a:avLst/>
-          </a:prstGeom>
-          <a:ln>
-            <a:tailEnd type="triangle"/>
-          </a:ln>
-        </p:spPr>
-        <p:style>
-          <a:lnRef idx="2">
-            <a:schemeClr val="accent1"/>
-          </a:lnRef>
-          <a:fillRef idx="0">
-            <a:schemeClr val="accent1"/>
-          </a:fillRef>
-          <a:effectRef idx="1">
-            <a:schemeClr val="accent1"/>
-          </a:effectRef>
-          <a:fontRef idx="minor">
-            <a:schemeClr val="tx1"/>
-          </a:fontRef>
-        </p:style>
-      </p:cxnSp>
-      <p:cxnSp>
-        <p:nvCxnSpPr>
-          <p:cNvPr id="38" name="Connettore 2 37">
-            <a:extLst>
-              <a:ext uri="{FF2B5EF4-FFF2-40B4-BE49-F238E27FC236}">
-                <a16:creationId xmlns:a16="http://schemas.microsoft.com/office/drawing/2014/main" id="{D1E9FABD-B0BA-EF48-883F-00921CD1A2C8}"/>
-              </a:ext>
-            </a:extLst>
-          </p:cNvPr>
-          <p:cNvCxnSpPr/>
-          <p:nvPr/>
-        </p:nvCxnSpPr>
-        <p:spPr>
-          <a:xfrm>
-            <a:off x="8669312" y="4105702"/>
-            <a:ext cx="521208" cy="0"/>
-          </a:xfrm>
-          <a:prstGeom prst="straightConnector1">
-            <a:avLst/>
-          </a:prstGeom>
-          <a:ln>
-            <a:tailEnd type="triangle"/>
-          </a:ln>
-        </p:spPr>
-        <p:style>
-          <a:lnRef idx="2">
-            <a:schemeClr val="accent1"/>
-          </a:lnRef>
-          <a:fillRef idx="0">
-            <a:schemeClr val="accent1"/>
-          </a:fillRef>
-          <a:effectRef idx="1">
-            <a:schemeClr val="accent1"/>
-          </a:effectRef>
-          <a:fontRef idx="minor">
-            <a:schemeClr val="tx1"/>
-          </a:fontRef>
-        </p:style>
-      </p:cxnSp>
+      <p:pic>
+        <p:nvPicPr>
+          <p:cNvPr id="5" name="Segnaposto contenuto 4">
+            <a:extLst>
+              <a:ext uri="{FF2B5EF4-FFF2-40B4-BE49-F238E27FC236}">
+                <a16:creationId xmlns:a16="http://schemas.microsoft.com/office/drawing/2014/main" id="{841CCD8D-BCF0-A003-BA41-FD2F42EBE416}"/>
+              </a:ext>
+            </a:extLst>
+          </p:cNvPr>
+          <p:cNvPicPr>
+            <a:picLocks noGrp="1" noChangeAspect="1"/>
+          </p:cNvPicPr>
+          <p:nvPr>
+            <p:ph idx="1"/>
+          </p:nvPr>
+        </p:nvPicPr>
+        <p:blipFill>
+          <a:blip r:embed="rId2">
+            <a:extLst>
+              <a:ext uri="{28A0092B-C50C-407E-A947-70E740481C1C}">
+                <a14:useLocalDpi xmlns:a14="http://schemas.microsoft.com/office/drawing/2010/main" val="0"/>
+              </a:ext>
+            </a:extLst>
+          </a:blip>
+          <a:stretch>
+            <a:fillRect/>
+          </a:stretch>
+        </p:blipFill>
+        <p:spPr>
+          <a:xfrm>
+            <a:off x="2033020" y="2143660"/>
+            <a:ext cx="8125959" cy="3715268"/>
+          </a:xfrm>
+        </p:spPr>
+      </p:pic>
     </p:spTree>
     <p:extLst>
       <p:ext uri="{BB962C8B-B14F-4D97-AF65-F5344CB8AC3E}">
-        <p14:creationId xmlns:p14="http://schemas.microsoft.com/office/powerpoint/2010/main" val="1961041494"/>
+        <p14:creationId xmlns:p14="http://schemas.microsoft.com/office/powerpoint/2010/main" val="1174846034"/>
       </p:ext>
     </p:extLst>
   </p:cSld>
@@ -4767,7 +4033,7 @@
           <p:cNvPr id="2" name="Titolo 1">
             <a:extLst>
               <a:ext uri="{FF2B5EF4-FFF2-40B4-BE49-F238E27FC236}">
-                <a16:creationId xmlns:a16="http://schemas.microsoft.com/office/drawing/2014/main" id="{06AA98A4-5093-CDF4-BCB9-AE87FF5DBD2E}"/>
+                <a16:creationId xmlns:a16="http://schemas.microsoft.com/office/drawing/2014/main" id="{61974523-C3FA-9778-22F8-B3D225F42051}"/>
               </a:ext>
             </a:extLst>
           </p:cNvPr>
@@ -4787,51 +4053,785 @@
           <a:p>
             <a:r>
               <a:rPr lang="en-US" dirty="0"/>
-              <a:t>A high precision vital signs detection method based on millimeter wave radar</a:t>
+              <a:t>FMCW Millimeter-Wave Radar-Based Remote Monitoring of Vital Signs in Multiple Subjects</a:t>
             </a:r>
             <a:endParaRPr lang="it-IT" dirty="0"/>
           </a:p>
         </p:txBody>
       </p:sp>
-      <p:pic>
-        <p:nvPicPr>
-          <p:cNvPr id="5" name="Segnaposto contenuto 4" descr="Immagine che contiene testo, schermata, diagramma, Carattere&#10;&#10;Il contenuto generato dall'IA potrebbe non essere corretto.">
-            <a:extLst>
-              <a:ext uri="{FF2B5EF4-FFF2-40B4-BE49-F238E27FC236}">
-                <a16:creationId xmlns:a16="http://schemas.microsoft.com/office/drawing/2014/main" id="{1C7DC838-4A49-49B8-553A-38BF43A52E25}"/>
-              </a:ext>
-            </a:extLst>
-          </p:cNvPr>
-          <p:cNvPicPr>
-            <a:picLocks noGrp="1" noChangeAspect="1"/>
-          </p:cNvPicPr>
-          <p:nvPr>
-            <p:ph idx="1"/>
-          </p:nvPr>
-        </p:nvPicPr>
-        <p:blipFill>
-          <a:blip r:embed="rId2">
-            <a:extLst>
-              <a:ext uri="{28A0092B-C50C-407E-A947-70E740481C1C}">
-                <a14:useLocalDpi xmlns:a14="http://schemas.microsoft.com/office/drawing/2010/main" val="0"/>
-              </a:ext>
-            </a:extLst>
-          </a:blip>
-          <a:stretch>
-            <a:fillRect/>
-          </a:stretch>
-        </p:blipFill>
-        <p:spPr>
-          <a:xfrm>
-            <a:off x="3606266" y="1917065"/>
-            <a:ext cx="4979467" cy="4667250"/>
-          </a:xfrm>
-        </p:spPr>
-      </p:pic>
+      <p:sp>
+        <p:nvSpPr>
+          <p:cNvPr id="4" name="CasellaDiTesto 3">
+            <a:extLst>
+              <a:ext uri="{FF2B5EF4-FFF2-40B4-BE49-F238E27FC236}">
+                <a16:creationId xmlns:a16="http://schemas.microsoft.com/office/drawing/2014/main" id="{FEB34942-1A4E-483A-3517-AA11225243BC}"/>
+              </a:ext>
+            </a:extLst>
+          </p:cNvPr>
+          <p:cNvSpPr txBox="1"/>
+          <p:nvPr/>
+        </p:nvSpPr>
+        <p:spPr>
+          <a:xfrm>
+            <a:off x="9219961" y="2808939"/>
+            <a:ext cx="2016252" cy="461665"/>
+          </a:xfrm>
+          <a:prstGeom prst="rect">
+            <a:avLst/>
+          </a:prstGeom>
+          <a:noFill/>
+        </p:spPr>
+        <p:txBody>
+          <a:bodyPr wrap="square" rtlCol="0">
+            <a:spAutoFit/>
+          </a:bodyPr>
+          <a:lstStyle/>
+          <a:p>
+            <a:r>
+              <a:rPr lang="it-IT" sz="2400" dirty="0"/>
+              <a:t>MUSIC for BR</a:t>
+            </a:r>
+          </a:p>
+        </p:txBody>
+      </p:sp>
+      <p:sp>
+        <p:nvSpPr>
+          <p:cNvPr id="5" name="CasellaDiTesto 4">
+            <a:extLst>
+              <a:ext uri="{FF2B5EF4-FFF2-40B4-BE49-F238E27FC236}">
+                <a16:creationId xmlns:a16="http://schemas.microsoft.com/office/drawing/2014/main" id="{07132303-69EC-C202-E0B1-987EDB26C843}"/>
+              </a:ext>
+            </a:extLst>
+          </p:cNvPr>
+          <p:cNvSpPr txBox="1"/>
+          <p:nvPr/>
+        </p:nvSpPr>
+        <p:spPr>
+          <a:xfrm>
+            <a:off x="7019306" y="2652045"/>
+            <a:ext cx="1714500" cy="830997"/>
+          </a:xfrm>
+          <a:prstGeom prst="rect">
+            <a:avLst/>
+          </a:prstGeom>
+          <a:noFill/>
+        </p:spPr>
+        <p:txBody>
+          <a:bodyPr wrap="square" rtlCol="0">
+            <a:spAutoFit/>
+          </a:bodyPr>
+          <a:lstStyle/>
+          <a:p>
+            <a:r>
+              <a:rPr lang="it-IT" sz="2400" dirty="0"/>
+              <a:t>IIR filter</a:t>
+            </a:r>
+          </a:p>
+          <a:p>
+            <a:r>
+              <a:rPr lang="it-IT" sz="2400" dirty="0"/>
+              <a:t>0.1-0.5 Hz</a:t>
+            </a:r>
+          </a:p>
+        </p:txBody>
+      </p:sp>
+      <p:sp>
+        <p:nvSpPr>
+          <p:cNvPr id="6" name="CasellaDiTesto 5">
+            <a:extLst>
+              <a:ext uri="{FF2B5EF4-FFF2-40B4-BE49-F238E27FC236}">
+                <a16:creationId xmlns:a16="http://schemas.microsoft.com/office/drawing/2014/main" id="{10DA578D-4A09-C029-6A97-352F16DD220F}"/>
+              </a:ext>
+            </a:extLst>
+          </p:cNvPr>
+          <p:cNvSpPr txBox="1"/>
+          <p:nvPr/>
+        </p:nvSpPr>
+        <p:spPr>
+          <a:xfrm>
+            <a:off x="9219961" y="3880510"/>
+            <a:ext cx="2016252" cy="738664"/>
+          </a:xfrm>
+          <a:prstGeom prst="rect">
+            <a:avLst/>
+          </a:prstGeom>
+          <a:noFill/>
+        </p:spPr>
+        <p:txBody>
+          <a:bodyPr wrap="square" rtlCol="0">
+            <a:spAutoFit/>
+          </a:bodyPr>
+          <a:lstStyle/>
+          <a:p>
+            <a:r>
+              <a:rPr lang="it-IT" sz="2400" dirty="0"/>
+              <a:t>2DFFT for HR</a:t>
+            </a:r>
+          </a:p>
+          <a:p>
+            <a:endParaRPr lang="it-IT" dirty="0"/>
+          </a:p>
+        </p:txBody>
+      </p:sp>
+      <p:sp>
+        <p:nvSpPr>
+          <p:cNvPr id="7" name="CasellaDiTesto 6">
+            <a:extLst>
+              <a:ext uri="{FF2B5EF4-FFF2-40B4-BE49-F238E27FC236}">
+                <a16:creationId xmlns:a16="http://schemas.microsoft.com/office/drawing/2014/main" id="{E9B10B7D-4008-DA64-D526-CFC19093CFEC}"/>
+              </a:ext>
+            </a:extLst>
+          </p:cNvPr>
+          <p:cNvSpPr txBox="1"/>
+          <p:nvPr/>
+        </p:nvSpPr>
+        <p:spPr>
+          <a:xfrm>
+            <a:off x="7019306" y="3690204"/>
+            <a:ext cx="1714500" cy="830997"/>
+          </a:xfrm>
+          <a:prstGeom prst="rect">
+            <a:avLst/>
+          </a:prstGeom>
+          <a:noFill/>
+        </p:spPr>
+        <p:txBody>
+          <a:bodyPr wrap="square" rtlCol="0">
+            <a:spAutoFit/>
+          </a:bodyPr>
+          <a:lstStyle/>
+          <a:p>
+            <a:r>
+              <a:rPr lang="it-IT" sz="2400" dirty="0"/>
+              <a:t>IIR filter</a:t>
+            </a:r>
+          </a:p>
+          <a:p>
+            <a:r>
+              <a:rPr lang="it-IT" sz="2400" dirty="0"/>
+              <a:t>0.8-2 Hz</a:t>
+            </a:r>
+          </a:p>
+        </p:txBody>
+      </p:sp>
+      <p:sp>
+        <p:nvSpPr>
+          <p:cNvPr id="10" name="CasellaDiTesto 9">
+            <a:extLst>
+              <a:ext uri="{FF2B5EF4-FFF2-40B4-BE49-F238E27FC236}">
+                <a16:creationId xmlns:a16="http://schemas.microsoft.com/office/drawing/2014/main" id="{FB50E624-3087-A4E6-349E-F1C22947000E}"/>
+              </a:ext>
+            </a:extLst>
+          </p:cNvPr>
+          <p:cNvSpPr txBox="1"/>
+          <p:nvPr/>
+        </p:nvSpPr>
+        <p:spPr>
+          <a:xfrm>
+            <a:off x="1630782" y="2167502"/>
+            <a:ext cx="1297471" cy="461665"/>
+          </a:xfrm>
+          <a:prstGeom prst="rect">
+            <a:avLst/>
+          </a:prstGeom>
+          <a:noFill/>
+        </p:spPr>
+        <p:txBody>
+          <a:bodyPr wrap="none" rtlCol="0">
+            <a:spAutoFit/>
+          </a:bodyPr>
+          <a:lstStyle/>
+          <a:p>
+            <a:r>
+              <a:rPr lang="it-IT" sz="2400" dirty="0"/>
+              <a:t>First FFT</a:t>
+            </a:r>
+          </a:p>
+        </p:txBody>
+      </p:sp>
+      <p:sp>
+        <p:nvSpPr>
+          <p:cNvPr id="11" name="CasellaDiTesto 10">
+            <a:extLst>
+              <a:ext uri="{FF2B5EF4-FFF2-40B4-BE49-F238E27FC236}">
+                <a16:creationId xmlns:a16="http://schemas.microsoft.com/office/drawing/2014/main" id="{21EBE8B0-D36C-0F84-6737-AE7099B83F97}"/>
+              </a:ext>
+            </a:extLst>
+          </p:cNvPr>
+          <p:cNvSpPr txBox="1"/>
+          <p:nvPr/>
+        </p:nvSpPr>
+        <p:spPr>
+          <a:xfrm>
+            <a:off x="810820" y="2972821"/>
+            <a:ext cx="3197157" cy="461665"/>
+          </a:xfrm>
+          <a:prstGeom prst="rect">
+            <a:avLst/>
+          </a:prstGeom>
+          <a:noFill/>
+        </p:spPr>
+        <p:txBody>
+          <a:bodyPr wrap="none" rtlCol="0">
+            <a:spAutoFit/>
+          </a:bodyPr>
+          <a:lstStyle/>
+          <a:p>
+            <a:r>
+              <a:rPr lang="it-IT" sz="2400" dirty="0" err="1"/>
+              <a:t>Identify</a:t>
+            </a:r>
+            <a:r>
+              <a:rPr lang="it-IT" sz="2400" dirty="0"/>
+              <a:t> </a:t>
+            </a:r>
+            <a:r>
+              <a:rPr lang="it-IT" sz="2400" dirty="0" err="1"/>
+              <a:t>peaks</a:t>
+            </a:r>
+            <a:r>
+              <a:rPr lang="it-IT" sz="2400" dirty="0"/>
+              <a:t> (people)</a:t>
+            </a:r>
+          </a:p>
+        </p:txBody>
+      </p:sp>
+      <p:sp>
+        <p:nvSpPr>
+          <p:cNvPr id="12" name="CasellaDiTesto 11">
+            <a:extLst>
+              <a:ext uri="{FF2B5EF4-FFF2-40B4-BE49-F238E27FC236}">
+                <a16:creationId xmlns:a16="http://schemas.microsoft.com/office/drawing/2014/main" id="{D18156B3-E941-E136-C450-A7653C4D2DA3}"/>
+              </a:ext>
+            </a:extLst>
+          </p:cNvPr>
+          <p:cNvSpPr txBox="1"/>
+          <p:nvPr/>
+        </p:nvSpPr>
+        <p:spPr>
+          <a:xfrm>
+            <a:off x="1284468" y="3929698"/>
+            <a:ext cx="1990097" cy="461665"/>
+          </a:xfrm>
+          <a:prstGeom prst="rect">
+            <a:avLst/>
+          </a:prstGeom>
+          <a:noFill/>
+        </p:spPr>
+        <p:txBody>
+          <a:bodyPr wrap="none" rtlCol="0">
+            <a:spAutoFit/>
+          </a:bodyPr>
+          <a:lstStyle/>
+          <a:p>
+            <a:r>
+              <a:rPr lang="it-IT" sz="2400" dirty="0" err="1"/>
+              <a:t>Extract</a:t>
+            </a:r>
+            <a:r>
+              <a:rPr lang="it-IT" sz="2400" dirty="0"/>
+              <a:t> </a:t>
+            </a:r>
+            <a:r>
+              <a:rPr lang="it-IT" sz="2400" dirty="0" err="1"/>
+              <a:t>phase</a:t>
+            </a:r>
+            <a:endParaRPr lang="it-IT" sz="2400" dirty="0"/>
+          </a:p>
+        </p:txBody>
+      </p:sp>
+      <p:sp>
+        <p:nvSpPr>
+          <p:cNvPr id="13" name="CasellaDiTesto 12">
+            <a:extLst>
+              <a:ext uri="{FF2B5EF4-FFF2-40B4-BE49-F238E27FC236}">
+                <a16:creationId xmlns:a16="http://schemas.microsoft.com/office/drawing/2014/main" id="{71AEBAD8-515E-305C-AD24-A754E9CDA88D}"/>
+              </a:ext>
+            </a:extLst>
+          </p:cNvPr>
+          <p:cNvSpPr txBox="1"/>
+          <p:nvPr/>
+        </p:nvSpPr>
+        <p:spPr>
+          <a:xfrm>
+            <a:off x="930307" y="5713376"/>
+            <a:ext cx="2919838" cy="461665"/>
+          </a:xfrm>
+          <a:prstGeom prst="rect">
+            <a:avLst/>
+          </a:prstGeom>
+          <a:noFill/>
+        </p:spPr>
+        <p:txBody>
+          <a:bodyPr wrap="none" rtlCol="0">
+            <a:spAutoFit/>
+          </a:bodyPr>
+          <a:lstStyle/>
+          <a:p>
+            <a:r>
+              <a:rPr lang="it-IT" sz="2400" dirty="0"/>
+              <a:t>Sliding </a:t>
+            </a:r>
+            <a:r>
+              <a:rPr lang="it-IT" sz="2400" dirty="0" err="1"/>
+              <a:t>Average</a:t>
+            </a:r>
+            <a:r>
+              <a:rPr lang="it-IT" sz="2400" dirty="0"/>
+              <a:t> Filter</a:t>
+            </a:r>
+          </a:p>
+        </p:txBody>
+      </p:sp>
+      <p:sp>
+        <p:nvSpPr>
+          <p:cNvPr id="14" name="CasellaDiTesto 13">
+            <a:extLst>
+              <a:ext uri="{FF2B5EF4-FFF2-40B4-BE49-F238E27FC236}">
+                <a16:creationId xmlns:a16="http://schemas.microsoft.com/office/drawing/2014/main" id="{96446B96-0F74-1515-7289-8293B131DA47}"/>
+              </a:ext>
+            </a:extLst>
+          </p:cNvPr>
+          <p:cNvSpPr txBox="1"/>
+          <p:nvPr/>
+        </p:nvSpPr>
+        <p:spPr>
+          <a:xfrm>
+            <a:off x="810820" y="4860778"/>
+            <a:ext cx="3158813" cy="461665"/>
+          </a:xfrm>
+          <a:prstGeom prst="rect">
+            <a:avLst/>
+          </a:prstGeom>
+          <a:noFill/>
+        </p:spPr>
+        <p:txBody>
+          <a:bodyPr wrap="square" rtlCol="0">
+            <a:spAutoFit/>
+          </a:bodyPr>
+          <a:lstStyle/>
+          <a:p>
+            <a:r>
+              <a:rPr lang="it-IT" sz="2400" dirty="0" err="1"/>
+              <a:t>Unwrap</a:t>
+            </a:r>
+            <a:r>
+              <a:rPr lang="it-IT" sz="2400" dirty="0"/>
+              <a:t> and </a:t>
+            </a:r>
+            <a:r>
+              <a:rPr lang="it-IT" sz="2400" dirty="0" err="1"/>
+              <a:t>phase</a:t>
+            </a:r>
+            <a:r>
+              <a:rPr lang="it-IT" sz="2400" dirty="0"/>
+              <a:t> diff</a:t>
+            </a:r>
+          </a:p>
+        </p:txBody>
+      </p:sp>
+      <p:cxnSp>
+        <p:nvCxnSpPr>
+          <p:cNvPr id="16" name="Connettore 2 15">
+            <a:extLst>
+              <a:ext uri="{FF2B5EF4-FFF2-40B4-BE49-F238E27FC236}">
+                <a16:creationId xmlns:a16="http://schemas.microsoft.com/office/drawing/2014/main" id="{B7FFE155-337C-5457-3E8A-D10AEAE88977}"/>
+              </a:ext>
+            </a:extLst>
+          </p:cNvPr>
+          <p:cNvCxnSpPr>
+            <a:cxnSpLocks/>
+          </p:cNvCxnSpPr>
+          <p:nvPr/>
+        </p:nvCxnSpPr>
+        <p:spPr>
+          <a:xfrm>
+            <a:off x="2279518" y="2589483"/>
+            <a:ext cx="0" cy="438912"/>
+          </a:xfrm>
+          <a:prstGeom prst="straightConnector1">
+            <a:avLst/>
+          </a:prstGeom>
+          <a:ln>
+            <a:tailEnd type="triangle"/>
+          </a:ln>
+        </p:spPr>
+        <p:style>
+          <a:lnRef idx="2">
+            <a:schemeClr val="accent1"/>
+          </a:lnRef>
+          <a:fillRef idx="0">
+            <a:schemeClr val="accent1"/>
+          </a:fillRef>
+          <a:effectRef idx="1">
+            <a:schemeClr val="accent1"/>
+          </a:effectRef>
+          <a:fontRef idx="minor">
+            <a:schemeClr val="tx1"/>
+          </a:fontRef>
+        </p:style>
+      </p:cxnSp>
+      <p:cxnSp>
+        <p:nvCxnSpPr>
+          <p:cNvPr id="19" name="Connettore 2 18">
+            <a:extLst>
+              <a:ext uri="{FF2B5EF4-FFF2-40B4-BE49-F238E27FC236}">
+                <a16:creationId xmlns:a16="http://schemas.microsoft.com/office/drawing/2014/main" id="{FE528C7B-4DC5-BA1A-F1A8-A56A3DAC1031}"/>
+              </a:ext>
+            </a:extLst>
+          </p:cNvPr>
+          <p:cNvCxnSpPr>
+            <a:cxnSpLocks/>
+          </p:cNvCxnSpPr>
+          <p:nvPr/>
+        </p:nvCxnSpPr>
+        <p:spPr>
+          <a:xfrm>
+            <a:off x="2279519" y="3513472"/>
+            <a:ext cx="0" cy="438912"/>
+          </a:xfrm>
+          <a:prstGeom prst="straightConnector1">
+            <a:avLst/>
+          </a:prstGeom>
+          <a:ln>
+            <a:tailEnd type="triangle"/>
+          </a:ln>
+        </p:spPr>
+        <p:style>
+          <a:lnRef idx="2">
+            <a:schemeClr val="accent1"/>
+          </a:lnRef>
+          <a:fillRef idx="0">
+            <a:schemeClr val="accent1"/>
+          </a:fillRef>
+          <a:effectRef idx="1">
+            <a:schemeClr val="accent1"/>
+          </a:effectRef>
+          <a:fontRef idx="minor">
+            <a:schemeClr val="tx1"/>
+          </a:fontRef>
+        </p:style>
+      </p:cxnSp>
+      <p:cxnSp>
+        <p:nvCxnSpPr>
+          <p:cNvPr id="20" name="Connettore 2 19">
+            <a:extLst>
+              <a:ext uri="{FF2B5EF4-FFF2-40B4-BE49-F238E27FC236}">
+                <a16:creationId xmlns:a16="http://schemas.microsoft.com/office/drawing/2014/main" id="{FF65509A-B6C4-FB03-1934-C24B1A548E97}"/>
+              </a:ext>
+            </a:extLst>
+          </p:cNvPr>
+          <p:cNvCxnSpPr>
+            <a:cxnSpLocks/>
+          </p:cNvCxnSpPr>
+          <p:nvPr/>
+        </p:nvCxnSpPr>
+        <p:spPr>
+          <a:xfrm>
+            <a:off x="2270375" y="4461550"/>
+            <a:ext cx="0" cy="438912"/>
+          </a:xfrm>
+          <a:prstGeom prst="straightConnector1">
+            <a:avLst/>
+          </a:prstGeom>
+          <a:ln>
+            <a:tailEnd type="triangle"/>
+          </a:ln>
+        </p:spPr>
+        <p:style>
+          <a:lnRef idx="2">
+            <a:schemeClr val="accent1"/>
+          </a:lnRef>
+          <a:fillRef idx="0">
+            <a:schemeClr val="accent1"/>
+          </a:fillRef>
+          <a:effectRef idx="1">
+            <a:schemeClr val="accent1"/>
+          </a:effectRef>
+          <a:fontRef idx="minor">
+            <a:schemeClr val="tx1"/>
+          </a:fontRef>
+        </p:style>
+      </p:cxnSp>
+      <p:cxnSp>
+        <p:nvCxnSpPr>
+          <p:cNvPr id="21" name="Connettore 2 20">
+            <a:extLst>
+              <a:ext uri="{FF2B5EF4-FFF2-40B4-BE49-F238E27FC236}">
+                <a16:creationId xmlns:a16="http://schemas.microsoft.com/office/drawing/2014/main" id="{5FEEBAFE-DA39-262E-B4D4-0D2F5CD834CF}"/>
+              </a:ext>
+            </a:extLst>
+          </p:cNvPr>
+          <p:cNvCxnSpPr>
+            <a:cxnSpLocks/>
+          </p:cNvCxnSpPr>
+          <p:nvPr/>
+        </p:nvCxnSpPr>
+        <p:spPr>
+          <a:xfrm>
+            <a:off x="2282129" y="5322443"/>
+            <a:ext cx="0" cy="438912"/>
+          </a:xfrm>
+          <a:prstGeom prst="straightConnector1">
+            <a:avLst/>
+          </a:prstGeom>
+          <a:ln>
+            <a:tailEnd type="triangle"/>
+          </a:ln>
+        </p:spPr>
+        <p:style>
+          <a:lnRef idx="2">
+            <a:schemeClr val="accent1"/>
+          </a:lnRef>
+          <a:fillRef idx="0">
+            <a:schemeClr val="accent1"/>
+          </a:fillRef>
+          <a:effectRef idx="1">
+            <a:schemeClr val="accent1"/>
+          </a:effectRef>
+          <a:fontRef idx="minor">
+            <a:schemeClr val="tx1"/>
+          </a:fontRef>
+        </p:style>
+      </p:cxnSp>
+      <p:cxnSp>
+        <p:nvCxnSpPr>
+          <p:cNvPr id="23" name="Connettore a gomito 22">
+            <a:extLst>
+              <a:ext uri="{FF2B5EF4-FFF2-40B4-BE49-F238E27FC236}">
+                <a16:creationId xmlns:a16="http://schemas.microsoft.com/office/drawing/2014/main" id="{E4DE570E-4FB4-A32E-F52D-A6084EB2AA14}"/>
+              </a:ext>
+            </a:extLst>
+          </p:cNvPr>
+          <p:cNvCxnSpPr>
+            <a:cxnSpLocks/>
+          </p:cNvCxnSpPr>
+          <p:nvPr/>
+        </p:nvCxnSpPr>
+        <p:spPr>
+          <a:xfrm flipV="1">
+            <a:off x="3949640" y="3586624"/>
+            <a:ext cx="2394591" cy="2393552"/>
+          </a:xfrm>
+          <a:prstGeom prst="bentConnector3">
+            <a:avLst>
+              <a:gd name="adj1" fmla="val 50000"/>
+            </a:avLst>
+          </a:prstGeom>
+        </p:spPr>
+        <p:style>
+          <a:lnRef idx="2">
+            <a:schemeClr val="accent1"/>
+          </a:lnRef>
+          <a:fillRef idx="0">
+            <a:schemeClr val="accent1"/>
+          </a:fillRef>
+          <a:effectRef idx="1">
+            <a:schemeClr val="accent1"/>
+          </a:effectRef>
+          <a:fontRef idx="minor">
+            <a:schemeClr val="tx1"/>
+          </a:fontRef>
+        </p:style>
+      </p:cxnSp>
+      <p:cxnSp>
+        <p:nvCxnSpPr>
+          <p:cNvPr id="32" name="Connettore diritto 31">
+            <a:extLst>
+              <a:ext uri="{FF2B5EF4-FFF2-40B4-BE49-F238E27FC236}">
+                <a16:creationId xmlns:a16="http://schemas.microsoft.com/office/drawing/2014/main" id="{A26D4B87-2F38-1ED7-1689-EB6143C58C34}"/>
+              </a:ext>
+            </a:extLst>
+          </p:cNvPr>
+          <p:cNvCxnSpPr>
+            <a:cxnSpLocks/>
+          </p:cNvCxnSpPr>
+          <p:nvPr/>
+        </p:nvCxnSpPr>
+        <p:spPr>
+          <a:xfrm flipV="1">
+            <a:off x="6342526" y="3067544"/>
+            <a:ext cx="0" cy="1038159"/>
+          </a:xfrm>
+          <a:prstGeom prst="line">
+            <a:avLst/>
+          </a:prstGeom>
+        </p:spPr>
+        <p:style>
+          <a:lnRef idx="2">
+            <a:schemeClr val="accent1"/>
+          </a:lnRef>
+          <a:fillRef idx="0">
+            <a:schemeClr val="accent1"/>
+          </a:fillRef>
+          <a:effectRef idx="1">
+            <a:schemeClr val="accent1"/>
+          </a:effectRef>
+          <a:fontRef idx="minor">
+            <a:schemeClr val="tx1"/>
+          </a:fontRef>
+        </p:style>
+      </p:cxnSp>
+      <p:cxnSp>
+        <p:nvCxnSpPr>
+          <p:cNvPr id="35" name="Connettore 2 34">
+            <a:extLst>
+              <a:ext uri="{FF2B5EF4-FFF2-40B4-BE49-F238E27FC236}">
+                <a16:creationId xmlns:a16="http://schemas.microsoft.com/office/drawing/2014/main" id="{38F1D879-7753-935F-46D8-DC3BF4B07DE5}"/>
+              </a:ext>
+            </a:extLst>
+          </p:cNvPr>
+          <p:cNvCxnSpPr/>
+          <p:nvPr/>
+        </p:nvCxnSpPr>
+        <p:spPr>
+          <a:xfrm>
+            <a:off x="6342526" y="3067544"/>
+            <a:ext cx="521208" cy="0"/>
+          </a:xfrm>
+          <a:prstGeom prst="straightConnector1">
+            <a:avLst/>
+          </a:prstGeom>
+          <a:ln>
+            <a:tailEnd type="triangle"/>
+          </a:ln>
+        </p:spPr>
+        <p:style>
+          <a:lnRef idx="2">
+            <a:schemeClr val="accent1"/>
+          </a:lnRef>
+          <a:fillRef idx="0">
+            <a:schemeClr val="accent1"/>
+          </a:fillRef>
+          <a:effectRef idx="1">
+            <a:schemeClr val="accent1"/>
+          </a:effectRef>
+          <a:fontRef idx="minor">
+            <a:schemeClr val="tx1"/>
+          </a:fontRef>
+        </p:style>
+      </p:cxnSp>
+      <p:cxnSp>
+        <p:nvCxnSpPr>
+          <p:cNvPr id="36" name="Connettore 2 35">
+            <a:extLst>
+              <a:ext uri="{FF2B5EF4-FFF2-40B4-BE49-F238E27FC236}">
+                <a16:creationId xmlns:a16="http://schemas.microsoft.com/office/drawing/2014/main" id="{41EBB2AA-B0FE-0411-8628-ED0526C07867}"/>
+              </a:ext>
+            </a:extLst>
+          </p:cNvPr>
+          <p:cNvCxnSpPr/>
+          <p:nvPr/>
+        </p:nvCxnSpPr>
+        <p:spPr>
+          <a:xfrm>
+            <a:off x="6342526" y="4105703"/>
+            <a:ext cx="521208" cy="0"/>
+          </a:xfrm>
+          <a:prstGeom prst="straightConnector1">
+            <a:avLst/>
+          </a:prstGeom>
+          <a:ln>
+            <a:tailEnd type="triangle"/>
+          </a:ln>
+        </p:spPr>
+        <p:style>
+          <a:lnRef idx="2">
+            <a:schemeClr val="accent1"/>
+          </a:lnRef>
+          <a:fillRef idx="0">
+            <a:schemeClr val="accent1"/>
+          </a:fillRef>
+          <a:effectRef idx="1">
+            <a:schemeClr val="accent1"/>
+          </a:effectRef>
+          <a:fontRef idx="minor">
+            <a:schemeClr val="tx1"/>
+          </a:fontRef>
+        </p:style>
+      </p:cxnSp>
+      <p:cxnSp>
+        <p:nvCxnSpPr>
+          <p:cNvPr id="37" name="Connettore 2 36">
+            <a:extLst>
+              <a:ext uri="{FF2B5EF4-FFF2-40B4-BE49-F238E27FC236}">
+                <a16:creationId xmlns:a16="http://schemas.microsoft.com/office/drawing/2014/main" id="{A7764BE7-BF69-C23C-39C3-8A4457AA4499}"/>
+              </a:ext>
+            </a:extLst>
+          </p:cNvPr>
+          <p:cNvCxnSpPr/>
+          <p:nvPr/>
+        </p:nvCxnSpPr>
+        <p:spPr>
+          <a:xfrm>
+            <a:off x="8625478" y="3067543"/>
+            <a:ext cx="521208" cy="0"/>
+          </a:xfrm>
+          <a:prstGeom prst="straightConnector1">
+            <a:avLst/>
+          </a:prstGeom>
+          <a:ln>
+            <a:tailEnd type="triangle"/>
+          </a:ln>
+        </p:spPr>
+        <p:style>
+          <a:lnRef idx="2">
+            <a:schemeClr val="accent1"/>
+          </a:lnRef>
+          <a:fillRef idx="0">
+            <a:schemeClr val="accent1"/>
+          </a:fillRef>
+          <a:effectRef idx="1">
+            <a:schemeClr val="accent1"/>
+          </a:effectRef>
+          <a:fontRef idx="minor">
+            <a:schemeClr val="tx1"/>
+          </a:fontRef>
+        </p:style>
+      </p:cxnSp>
+      <p:cxnSp>
+        <p:nvCxnSpPr>
+          <p:cNvPr id="38" name="Connettore 2 37">
+            <a:extLst>
+              <a:ext uri="{FF2B5EF4-FFF2-40B4-BE49-F238E27FC236}">
+                <a16:creationId xmlns:a16="http://schemas.microsoft.com/office/drawing/2014/main" id="{D1E9FABD-B0BA-EF48-883F-00921CD1A2C8}"/>
+              </a:ext>
+            </a:extLst>
+          </p:cNvPr>
+          <p:cNvCxnSpPr/>
+          <p:nvPr/>
+        </p:nvCxnSpPr>
+        <p:spPr>
+          <a:xfrm>
+            <a:off x="8669312" y="4105702"/>
+            <a:ext cx="521208" cy="0"/>
+          </a:xfrm>
+          <a:prstGeom prst="straightConnector1">
+            <a:avLst/>
+          </a:prstGeom>
+          <a:ln>
+            <a:tailEnd type="triangle"/>
+          </a:ln>
+        </p:spPr>
+        <p:style>
+          <a:lnRef idx="2">
+            <a:schemeClr val="accent1"/>
+          </a:lnRef>
+          <a:fillRef idx="0">
+            <a:schemeClr val="accent1"/>
+          </a:fillRef>
+          <a:effectRef idx="1">
+            <a:schemeClr val="accent1"/>
+          </a:effectRef>
+          <a:fontRef idx="minor">
+            <a:schemeClr val="tx1"/>
+          </a:fontRef>
+        </p:style>
+      </p:cxnSp>
     </p:spTree>
     <p:extLst>
       <p:ext uri="{BB962C8B-B14F-4D97-AF65-F5344CB8AC3E}">
-        <p14:creationId xmlns:p14="http://schemas.microsoft.com/office/powerpoint/2010/main" val="2595348624"/>
+        <p14:creationId xmlns:p14="http://schemas.microsoft.com/office/powerpoint/2010/main" val="1961041494"/>
       </p:ext>
     </p:extLst>
   </p:cSld>
